--- a/EWS API - PowerShell - PSBUG.pptx
+++ b/EWS API - PowerShell - PSBUG.pptx
@@ -2354,25 +2354,25 @@
     </dgm:pt>
   </dgm:ptLst>
   <dgm:cxnLst>
+    <dgm:cxn modelId="{06A37B7E-6B0D-4BC7-8830-1784B03F94B7}" type="presOf" srcId="{0CA757DB-C266-4D38-B6AA-9CA9BB1C0542}" destId="{CAC18D09-DF55-4B64-80C7-80E0CB47ECF5}" srcOrd="0" destOrd="0" presId="urn:microsoft.com/office/officeart/2005/8/layout/orgChart1"/>
+    <dgm:cxn modelId="{E188AF27-76BA-4F91-92FC-B1DC05816237}" srcId="{F6D16714-EBDE-4FAE-A02C-AAADB50505F4}" destId="{1C1CD5A2-813B-436C-BA9E-5300905A789C}" srcOrd="1" destOrd="0" parTransId="{B68161A4-B5ED-4A27-8341-568ED4DEAB62}" sibTransId="{3A400229-AA14-4510-B508-B4D20731B793}"/>
+    <dgm:cxn modelId="{1921ACDE-91F8-4735-9BDE-07F9CF4EE607}" type="presOf" srcId="{F6D16714-EBDE-4FAE-A02C-AAADB50505F4}" destId="{32DCA6AA-0097-4D5D-A9E8-F82AEB95F2FC}" srcOrd="1" destOrd="0" presId="urn:microsoft.com/office/officeart/2005/8/layout/orgChart1"/>
+    <dgm:cxn modelId="{832B51A0-BBDA-4204-8A22-CD33C5820466}" srcId="{F6D16714-EBDE-4FAE-A02C-AAADB50505F4}" destId="{75D52214-5AC1-409F-9253-BC1AB2F2AA3D}" srcOrd="0" destOrd="0" parTransId="{0CA757DB-C266-4D38-B6AA-9CA9BB1C0542}" sibTransId="{D298BFC4-27C4-410B-8342-7475BFE44E51}"/>
+    <dgm:cxn modelId="{989062FD-238A-4FDE-83D7-9655D360E26E}" type="presOf" srcId="{FE5D393B-BB00-464E-A9DE-0E6A089115DE}" destId="{01C38502-3F7A-4438-A269-4ADDBE17F1C3}" srcOrd="0" destOrd="0" presId="urn:microsoft.com/office/officeart/2005/8/layout/orgChart1"/>
     <dgm:cxn modelId="{DFADED55-225F-422B-86D7-F4205372B84F}" type="presOf" srcId="{B68161A4-B5ED-4A27-8341-568ED4DEAB62}" destId="{4469129E-1D48-4367-BEAD-97F165B29326}" srcOrd="0" destOrd="0" presId="urn:microsoft.com/office/officeart/2005/8/layout/orgChart1"/>
-    <dgm:cxn modelId="{E188AF27-76BA-4F91-92FC-B1DC05816237}" srcId="{F6D16714-EBDE-4FAE-A02C-AAADB50505F4}" destId="{1C1CD5A2-813B-436C-BA9E-5300905A789C}" srcOrd="1" destOrd="0" parTransId="{B68161A4-B5ED-4A27-8341-568ED4DEAB62}" sibTransId="{3A400229-AA14-4510-B508-B4D20731B793}"/>
+    <dgm:cxn modelId="{E8F34767-4D86-4459-93EF-DDDD1757EEAB}" srcId="{F6D16714-EBDE-4FAE-A02C-AAADB50505F4}" destId="{FE5D393B-BB00-464E-A9DE-0E6A089115DE}" srcOrd="2" destOrd="0" parTransId="{DB96703C-C7E9-4074-A4E6-50AB1B7A1FF0}" sibTransId="{E987BD59-B1E2-4E9C-AC0A-A24ECE1D5F50}"/>
+    <dgm:cxn modelId="{A3BEB3BE-55DE-4307-9F74-0E5616C1F9C4}" type="presOf" srcId="{58C75BB3-A91B-4E5D-AD41-3BA807463288}" destId="{34951A81-55AD-43A6-AEE4-58AABEDF5C17}" srcOrd="0" destOrd="0" presId="urn:microsoft.com/office/officeart/2005/8/layout/orgChart1"/>
+    <dgm:cxn modelId="{4F212AD7-7545-448A-AE2D-9D6B6FDA4A1C}" srcId="{F6D16714-EBDE-4FAE-A02C-AAADB50505F4}" destId="{1119A53E-8B45-4A93-9511-0FA7F14C274F}" srcOrd="3" destOrd="0" parTransId="{F14BC8B3-1FC7-4134-B5F2-CAD952B4EF70}" sibTransId="{6ACA8461-2527-4BDC-94BD-BF87D93C0D18}"/>
+    <dgm:cxn modelId="{4088FDE3-8A6B-4AD4-A6C1-825117A77E16}" type="presOf" srcId="{1119A53E-8B45-4A93-9511-0FA7F14C274F}" destId="{AB84B337-AC97-4C4A-94F2-9333B7912BD1}" srcOrd="0" destOrd="0" presId="urn:microsoft.com/office/officeart/2005/8/layout/orgChart1"/>
+    <dgm:cxn modelId="{41672CF6-5F72-46AF-BF04-D56B6100CC59}" type="presOf" srcId="{75D52214-5AC1-409F-9253-BC1AB2F2AA3D}" destId="{889A4A81-5DB3-4B45-8239-4C59BE1DA65C}" srcOrd="1" destOrd="0" presId="urn:microsoft.com/office/officeart/2005/8/layout/orgChart1"/>
     <dgm:cxn modelId="{A745FB10-7CB2-4423-8504-3F7310CD57BF}" type="presOf" srcId="{1C1CD5A2-813B-436C-BA9E-5300905A789C}" destId="{25974BB9-5B9D-4F65-8C42-7910F78FAA2C}" srcOrd="1" destOrd="0" presId="urn:microsoft.com/office/officeart/2005/8/layout/orgChart1"/>
     <dgm:cxn modelId="{68B4EB38-22D9-4671-954B-5398309FD14A}" type="presOf" srcId="{F14BC8B3-1FC7-4134-B5F2-CAD952B4EF70}" destId="{02C53AD8-AA7C-46BD-9087-1416EDC280F1}" srcOrd="0" destOrd="0" presId="urn:microsoft.com/office/officeart/2005/8/layout/orgChart1"/>
-    <dgm:cxn modelId="{D26F3FFB-5FCC-4A8A-BD17-A62DDA10A878}" srcId="{58C75BB3-A91B-4E5D-AD41-3BA807463288}" destId="{F6D16714-EBDE-4FAE-A02C-AAADB50505F4}" srcOrd="0" destOrd="0" parTransId="{A6583F47-139D-44A9-AC84-B4AF9B4187E8}" sibTransId="{AFAFFF7B-E908-4E8A-A080-D7E1C8F27846}"/>
+    <dgm:cxn modelId="{9C863B3F-F4BD-4DC5-8C9F-030A94EA781C}" type="presOf" srcId="{FE5D393B-BB00-464E-A9DE-0E6A089115DE}" destId="{07487359-0DA3-406A-9F6C-054AE89B6EA6}" srcOrd="1" destOrd="0" presId="urn:microsoft.com/office/officeart/2005/8/layout/orgChart1"/>
+    <dgm:cxn modelId="{0D474AE9-2E81-4398-BCE7-2534CB3B669E}" type="presOf" srcId="{1119A53E-8B45-4A93-9511-0FA7F14C274F}" destId="{B42D668B-564C-4FB0-8A89-70D8DDCE3ECB}" srcOrd="1" destOrd="0" presId="urn:microsoft.com/office/officeart/2005/8/layout/orgChart1"/>
     <dgm:cxn modelId="{5813EB37-D02A-483D-A57F-3E15F573DEED}" type="presOf" srcId="{75D52214-5AC1-409F-9253-BC1AB2F2AA3D}" destId="{DA7F723E-9A03-44DB-A06D-40FA82FAD106}" srcOrd="0" destOrd="0" presId="urn:microsoft.com/office/officeart/2005/8/layout/orgChart1"/>
     <dgm:cxn modelId="{8155DB13-8CD6-48C6-9911-A6A15BE34FF7}" type="presOf" srcId="{F6D16714-EBDE-4FAE-A02C-AAADB50505F4}" destId="{3536A95F-29CA-4F13-9EFF-287FBEAF4C36}" srcOrd="0" destOrd="0" presId="urn:microsoft.com/office/officeart/2005/8/layout/orgChart1"/>
-    <dgm:cxn modelId="{1921ACDE-91F8-4735-9BDE-07F9CF4EE607}" type="presOf" srcId="{F6D16714-EBDE-4FAE-A02C-AAADB50505F4}" destId="{32DCA6AA-0097-4D5D-A9E8-F82AEB95F2FC}" srcOrd="1" destOrd="0" presId="urn:microsoft.com/office/officeart/2005/8/layout/orgChart1"/>
     <dgm:cxn modelId="{3FD149A9-9E81-4B99-BD1C-F77B03C85232}" type="presOf" srcId="{DB96703C-C7E9-4074-A4E6-50AB1B7A1FF0}" destId="{CE2187F2-E29C-422F-B5AB-4E64EEC47AE3}" srcOrd="0" destOrd="0" presId="urn:microsoft.com/office/officeart/2005/8/layout/orgChart1"/>
-    <dgm:cxn modelId="{4F212AD7-7545-448A-AE2D-9D6B6FDA4A1C}" srcId="{F6D16714-EBDE-4FAE-A02C-AAADB50505F4}" destId="{1119A53E-8B45-4A93-9511-0FA7F14C274F}" srcOrd="3" destOrd="0" parTransId="{F14BC8B3-1FC7-4134-B5F2-CAD952B4EF70}" sibTransId="{6ACA8461-2527-4BDC-94BD-BF87D93C0D18}"/>
-    <dgm:cxn modelId="{9C863B3F-F4BD-4DC5-8C9F-030A94EA781C}" type="presOf" srcId="{FE5D393B-BB00-464E-A9DE-0E6A089115DE}" destId="{07487359-0DA3-406A-9F6C-054AE89B6EA6}" srcOrd="1" destOrd="0" presId="urn:microsoft.com/office/officeart/2005/8/layout/orgChart1"/>
-    <dgm:cxn modelId="{E8F34767-4D86-4459-93EF-DDDD1757EEAB}" srcId="{F6D16714-EBDE-4FAE-A02C-AAADB50505F4}" destId="{FE5D393B-BB00-464E-A9DE-0E6A089115DE}" srcOrd="2" destOrd="0" parTransId="{DB96703C-C7E9-4074-A4E6-50AB1B7A1FF0}" sibTransId="{E987BD59-B1E2-4E9C-AC0A-A24ECE1D5F50}"/>
-    <dgm:cxn modelId="{832B51A0-BBDA-4204-8A22-CD33C5820466}" srcId="{F6D16714-EBDE-4FAE-A02C-AAADB50505F4}" destId="{75D52214-5AC1-409F-9253-BC1AB2F2AA3D}" srcOrd="0" destOrd="0" parTransId="{0CA757DB-C266-4D38-B6AA-9CA9BB1C0542}" sibTransId="{D298BFC4-27C4-410B-8342-7475BFE44E51}"/>
-    <dgm:cxn modelId="{A3BEB3BE-55DE-4307-9F74-0E5616C1F9C4}" type="presOf" srcId="{58C75BB3-A91B-4E5D-AD41-3BA807463288}" destId="{34951A81-55AD-43A6-AEE4-58AABEDF5C17}" srcOrd="0" destOrd="0" presId="urn:microsoft.com/office/officeart/2005/8/layout/orgChart1"/>
-    <dgm:cxn modelId="{41672CF6-5F72-46AF-BF04-D56B6100CC59}" type="presOf" srcId="{75D52214-5AC1-409F-9253-BC1AB2F2AA3D}" destId="{889A4A81-5DB3-4B45-8239-4C59BE1DA65C}" srcOrd="1" destOrd="0" presId="urn:microsoft.com/office/officeart/2005/8/layout/orgChart1"/>
-    <dgm:cxn modelId="{4088FDE3-8A6B-4AD4-A6C1-825117A77E16}" type="presOf" srcId="{1119A53E-8B45-4A93-9511-0FA7F14C274F}" destId="{AB84B337-AC97-4C4A-94F2-9333B7912BD1}" srcOrd="0" destOrd="0" presId="urn:microsoft.com/office/officeart/2005/8/layout/orgChart1"/>
-    <dgm:cxn modelId="{989062FD-238A-4FDE-83D7-9655D360E26E}" type="presOf" srcId="{FE5D393B-BB00-464E-A9DE-0E6A089115DE}" destId="{01C38502-3F7A-4438-A269-4ADDBE17F1C3}" srcOrd="0" destOrd="0" presId="urn:microsoft.com/office/officeart/2005/8/layout/orgChart1"/>
-    <dgm:cxn modelId="{0D474AE9-2E81-4398-BCE7-2534CB3B669E}" type="presOf" srcId="{1119A53E-8B45-4A93-9511-0FA7F14C274F}" destId="{B42D668B-564C-4FB0-8A89-70D8DDCE3ECB}" srcOrd="1" destOrd="0" presId="urn:microsoft.com/office/officeart/2005/8/layout/orgChart1"/>
-    <dgm:cxn modelId="{06A37B7E-6B0D-4BC7-8830-1784B03F94B7}" type="presOf" srcId="{0CA757DB-C266-4D38-B6AA-9CA9BB1C0542}" destId="{CAC18D09-DF55-4B64-80C7-80E0CB47ECF5}" srcOrd="0" destOrd="0" presId="urn:microsoft.com/office/officeart/2005/8/layout/orgChart1"/>
+    <dgm:cxn modelId="{D26F3FFB-5FCC-4A8A-BD17-A62DDA10A878}" srcId="{58C75BB3-A91B-4E5D-AD41-3BA807463288}" destId="{F6D16714-EBDE-4FAE-A02C-AAADB50505F4}" srcOrd="0" destOrd="0" parTransId="{A6583F47-139D-44A9-AC84-B4AF9B4187E8}" sibTransId="{AFAFFF7B-E908-4E8A-A080-D7E1C8F27846}"/>
     <dgm:cxn modelId="{1583C048-4572-40F6-BCDB-5E5CF01AA689}" type="presOf" srcId="{1C1CD5A2-813B-436C-BA9E-5300905A789C}" destId="{DE7E5A63-BBA2-4BB7-8355-BA82AA22DF79}" srcOrd="0" destOrd="0" presId="urn:microsoft.com/office/officeart/2005/8/layout/orgChart1"/>
     <dgm:cxn modelId="{3E375280-C19F-4B0B-89CA-58233DB4C465}" type="presParOf" srcId="{34951A81-55AD-43A6-AEE4-58AABEDF5C17}" destId="{EFD18D80-CD64-49BB-B2F9-E33377FE27B3}" srcOrd="0" destOrd="0" presId="urn:microsoft.com/office/officeart/2005/8/layout/orgChart1"/>
     <dgm:cxn modelId="{4068494A-DA78-4812-AFD7-BEA1F28C4443}" type="presParOf" srcId="{EFD18D80-CD64-49BB-B2F9-E33377FE27B3}" destId="{092C5CF2-3C89-40BF-810C-A54CA4BCFB70}" srcOrd="0" destOrd="0" presId="urn:microsoft.com/office/officeart/2005/8/layout/orgChart1"/>
@@ -14717,11 +14717,6 @@
               </a:rPr>
               <a:t>	</a:t>
             </a:r>
-            <a:endParaRPr lang="en-US" dirty="0">
-              <a:solidFill>
-                <a:schemeClr val="bg1"/>
-              </a:solidFill>
-            </a:endParaRPr>
           </a:p>
         </p:txBody>
       </p:sp>
